--- a/fu/test_cases/3-27-2025_update.pptx
+++ b/fu/test_cases/3-27-2025_update.pptx
@@ -15142,7 +15142,7 @@
           <a:lstStyle/>
           <a:p>
             <a:r>
-              <a:t>04-03-2025: Weekly Update</a:t>
+              <a:t>04-06-2025: Weekly Update</a:t>
             </a:r>
           </a:p>
         </p:txBody>

--- a/fu/test_cases/3-27-2025_update.pptx
+++ b/fu/test_cases/3-27-2025_update.pptx
@@ -15142,7 +15142,7 @@
           <a:lstStyle/>
           <a:p>
             <a:r>
-              <a:t>04-06-2025: Weekly Update</a:t>
+              <a:t>04-03-2025: Weekly Update</a:t>
             </a:r>
           </a:p>
         </p:txBody>
